--- a/Introduction to Containers.pptx
+++ b/Introduction to Containers.pptx
@@ -1088,8 +1088,29 @@
           <a:p>
             <a:r>
               <a:rPr lang="en-US" dirty="0"/>
+              <a:t>Sharing Resources</a:t>
+            </a:r>
+          </a:p>
+          <a:p>
+            <a:r>
+              <a:rPr lang="en-US" dirty="0"/>
               <a:t>Sounds a little like Virtualization, how do they differ?</a:t>
             </a:r>
+          </a:p>
+          <a:p>
+            <a:r>
+              <a:rPr lang="en-US" dirty="0"/>
+              <a:t>Instead of virtualizing a whole machine and operating system (binaries, drivers, kernel, bios, networking, storage)</a:t>
+            </a:r>
+          </a:p>
+          <a:p>
+            <a:r>
+              <a:rPr lang="en-US" dirty="0"/>
+              <a:t>The container engine shares the operating system amongst the individual containers</a:t>
+            </a:r>
+          </a:p>
+          <a:p>
+            <a:endParaRPr lang="en-US" dirty="0"/>
           </a:p>
         </p:txBody>
       </p:sp>
